--- a/Presentaties/Week1/Lectures & Lesroosters Inleiding.pptx
+++ b/Presentaties/Week1/Lectures & Lesroosters Inleiding.pptx
@@ -9,7 +9,11 @@
     <p:sldId id="258" r:id="rId3"/>
     <p:sldId id="261" r:id="rId4"/>
     <p:sldId id="263" r:id="rId5"/>
-    <p:sldId id="259" r:id="rId6"/>
+    <p:sldId id="266" r:id="rId6"/>
+    <p:sldId id="265" r:id="rId7"/>
+    <p:sldId id="264" r:id="rId8"/>
+    <p:sldId id="267" r:id="rId9"/>
+    <p:sldId id="259" r:id="rId10"/>
   </p:sldIdLst>
   <p:sldSz cx="12192000" cy="6858000"/>
   <p:notesSz cx="6858000" cy="9144000"/>
@@ -110,7 +114,18 @@
   </p:defaultTextStyle>
   <p:extLst>
     <p:ext uri="{EFAFB233-063F-42B5-8137-9DF3F51BA10A}">
-      <p15:sldGuideLst xmlns:p15="http://schemas.microsoft.com/office/powerpoint/2012/main"/>
+      <p15:sldGuideLst xmlns:p15="http://schemas.microsoft.com/office/powerpoint/2012/main">
+        <p15:guide id="1" orient="horz" pos="2160">
+          <p15:clr>
+            <a:srgbClr val="A4A3A4"/>
+          </p15:clr>
+        </p15:guide>
+        <p15:guide id="2" pos="3840">
+          <p15:clr>
+            <a:srgbClr val="A4A3A4"/>
+          </p15:clr>
+        </p15:guide>
+      </p15:sldGuideLst>
     </p:ext>
   </p:extLst>
 </p:presentation>
@@ -276,7 +291,7 @@
           <a:p>
             <a:fld id="{B2E4F3CE-5921-4ADD-9964-2DE7A47474AF}" type="datetimeFigureOut">
               <a:rPr lang="nl-NL" smtClean="0"/>
-              <a:t>11-4-2018</a:t>
+              <a:t>12-4-2018</a:t>
             </a:fld>
             <a:endParaRPr lang="nl-NL"/>
           </a:p>
@@ -344,7 +359,7 @@
           <a:p>
             <a:fld id="{F9A998D0-4466-47BE-85E2-8C9E3531AFF1}" type="slidenum">
               <a:rPr lang="nl-NL" smtClean="0"/>
-              <a:t>‹#›</a:t>
+              <a:t>‹nr.›</a:t>
             </a:fld>
             <a:endParaRPr lang="nl-NL"/>
           </a:p>
@@ -484,7 +499,7 @@
           <p:cNvPr id="10" name="Picture 9" descr="A group of people in a room&#10;&#10;Description generated with very high confidence">
             <a:extLst>
               <a:ext uri="{FF2B5EF4-FFF2-40B4-BE49-F238E27FC236}">
-                <a16:creationId xmlns:a16="http://schemas.microsoft.com/office/drawing/2014/main" id="{8A636BD5-65AA-4211-BE9A-C3728CA22021}"/>
+                <a16:creationId xmlns:a16="http://schemas.microsoft.com/office/drawing/2014/main" xmlns="" id="{8A636BD5-65AA-4211-BE9A-C3728CA22021}"/>
               </a:ext>
             </a:extLst>
           </p:cNvPr>
@@ -525,7 +540,7 @@
           <p:cNvPr id="12" name="Picture 11" descr="A group of people in a room&#10;&#10;Description generated with very high confidence">
             <a:extLst>
               <a:ext uri="{FF2B5EF4-FFF2-40B4-BE49-F238E27FC236}">
-                <a16:creationId xmlns:a16="http://schemas.microsoft.com/office/drawing/2014/main" id="{FCCAA0F4-9C7B-4984-8F70-FA270D007429}"/>
+                <a16:creationId xmlns:a16="http://schemas.microsoft.com/office/drawing/2014/main" xmlns="" id="{FCCAA0F4-9C7B-4984-8F70-FA270D007429}"/>
               </a:ext>
             </a:extLst>
           </p:cNvPr>
@@ -596,7 +611,7 @@
           <p:cNvPr id="2" name="Title 1">
             <a:extLst>
               <a:ext uri="{FF2B5EF4-FFF2-40B4-BE49-F238E27FC236}">
-                <a16:creationId xmlns:a16="http://schemas.microsoft.com/office/drawing/2014/main" id="{6FC13C6F-2E16-4E4C-84CC-D4DAFCB2700D}"/>
+                <a16:creationId xmlns:a16="http://schemas.microsoft.com/office/drawing/2014/main" xmlns="" id="{6FC13C6F-2E16-4E4C-84CC-D4DAFCB2700D}"/>
               </a:ext>
             </a:extLst>
           </p:cNvPr>
@@ -634,7 +649,7 @@
           <p:cNvPr id="3" name="Subtitle 2">
             <a:extLst>
               <a:ext uri="{FF2B5EF4-FFF2-40B4-BE49-F238E27FC236}">
-                <a16:creationId xmlns:a16="http://schemas.microsoft.com/office/drawing/2014/main" id="{453CFFDF-F98C-4C73-86C1-B63C7BFD4C39}"/>
+                <a16:creationId xmlns:a16="http://schemas.microsoft.com/office/drawing/2014/main" xmlns="" id="{453CFFDF-F98C-4C73-86C1-B63C7BFD4C39}"/>
               </a:ext>
             </a:extLst>
           </p:cNvPr>
@@ -705,7 +720,7 @@
           <p:cNvPr id="4" name="Date Placeholder 3">
             <a:extLst>
               <a:ext uri="{FF2B5EF4-FFF2-40B4-BE49-F238E27FC236}">
-                <a16:creationId xmlns:a16="http://schemas.microsoft.com/office/drawing/2014/main" id="{CFA081B8-BD76-443C-93F5-08182166D8D0}"/>
+                <a16:creationId xmlns:a16="http://schemas.microsoft.com/office/drawing/2014/main" xmlns="" id="{CFA081B8-BD76-443C-93F5-08182166D8D0}"/>
               </a:ext>
             </a:extLst>
           </p:cNvPr>
@@ -723,7 +738,7 @@
           <a:p>
             <a:fld id="{B2E4F3CE-5921-4ADD-9964-2DE7A47474AF}" type="datetimeFigureOut">
               <a:rPr lang="nl-NL" smtClean="0"/>
-              <a:t>11-4-2018</a:t>
+              <a:t>12-4-2018</a:t>
             </a:fld>
             <a:endParaRPr lang="nl-NL"/>
           </a:p>
@@ -734,7 +749,7 @@
           <p:cNvPr id="5" name="Footer Placeholder 4">
             <a:extLst>
               <a:ext uri="{FF2B5EF4-FFF2-40B4-BE49-F238E27FC236}">
-                <a16:creationId xmlns:a16="http://schemas.microsoft.com/office/drawing/2014/main" id="{B372371A-431A-4C4A-B2D5-5DB4CE736915}"/>
+                <a16:creationId xmlns:a16="http://schemas.microsoft.com/office/drawing/2014/main" xmlns="" id="{B372371A-431A-4C4A-B2D5-5DB4CE736915}"/>
               </a:ext>
             </a:extLst>
           </p:cNvPr>
@@ -759,7 +774,7 @@
           <p:cNvPr id="6" name="Slide Number Placeholder 5">
             <a:extLst>
               <a:ext uri="{FF2B5EF4-FFF2-40B4-BE49-F238E27FC236}">
-                <a16:creationId xmlns:a16="http://schemas.microsoft.com/office/drawing/2014/main" id="{4440A448-9C23-42D3-B380-8BFAE71DF757}"/>
+                <a16:creationId xmlns:a16="http://schemas.microsoft.com/office/drawing/2014/main" xmlns="" id="{4440A448-9C23-42D3-B380-8BFAE71DF757}"/>
               </a:ext>
             </a:extLst>
           </p:cNvPr>
@@ -777,7 +792,7 @@
           <a:p>
             <a:fld id="{F9A998D0-4466-47BE-85E2-8C9E3531AFF1}" type="slidenum">
               <a:rPr lang="nl-NL" smtClean="0"/>
-              <a:t>‹#›</a:t>
+              <a:t>‹nr.›</a:t>
             </a:fld>
             <a:endParaRPr lang="nl-NL"/>
           </a:p>
@@ -922,7 +937,7 @@
           <a:p>
             <a:fld id="{B2E4F3CE-5921-4ADD-9964-2DE7A47474AF}" type="datetimeFigureOut">
               <a:rPr lang="nl-NL" smtClean="0"/>
-              <a:t>11-4-2018</a:t>
+              <a:t>12-4-2018</a:t>
             </a:fld>
             <a:endParaRPr lang="nl-NL"/>
           </a:p>
@@ -964,7 +979,7 @@
           <a:p>
             <a:fld id="{F9A998D0-4466-47BE-85E2-8C9E3531AFF1}" type="slidenum">
               <a:rPr lang="nl-NL" smtClean="0"/>
-              <a:t>‹#›</a:t>
+              <a:t>‹nr.›</a:t>
             </a:fld>
             <a:endParaRPr lang="nl-NL"/>
           </a:p>
@@ -1193,7 +1208,7 @@
           <a:p>
             <a:fld id="{B2E4F3CE-5921-4ADD-9964-2DE7A47474AF}" type="datetimeFigureOut">
               <a:rPr lang="nl-NL" smtClean="0"/>
-              <a:t>11-4-2018</a:t>
+              <a:t>12-4-2018</a:t>
             </a:fld>
             <a:endParaRPr lang="nl-NL"/>
           </a:p>
@@ -1261,7 +1276,7 @@
           <a:p>
             <a:fld id="{F9A998D0-4466-47BE-85E2-8C9E3531AFF1}" type="slidenum">
               <a:rPr lang="nl-NL" smtClean="0"/>
-              <a:t>‹#›</a:t>
+              <a:t>‹nr.›</a:t>
             </a:fld>
             <a:endParaRPr lang="nl-NL"/>
           </a:p>
@@ -1328,7 +1343,7 @@
           <p:cNvPr id="9" name="Picture 8" descr="A group of people in a room&#10;&#10;Description generated with very high confidence">
             <a:extLst>
               <a:ext uri="{FF2B5EF4-FFF2-40B4-BE49-F238E27FC236}">
-                <a16:creationId xmlns:a16="http://schemas.microsoft.com/office/drawing/2014/main" id="{1100C0BB-10D3-488D-AF46-8E80E778FCC2}"/>
+                <a16:creationId xmlns:a16="http://schemas.microsoft.com/office/drawing/2014/main" xmlns="" id="{1100C0BB-10D3-488D-AF46-8E80E778FCC2}"/>
               </a:ext>
             </a:extLst>
           </p:cNvPr>
@@ -1628,7 +1643,7 @@
           <a:p>
             <a:fld id="{B2E4F3CE-5921-4ADD-9964-2DE7A47474AF}" type="datetimeFigureOut">
               <a:rPr lang="nl-NL" smtClean="0"/>
-              <a:t>11-4-2018</a:t>
+              <a:t>12-4-2018</a:t>
             </a:fld>
             <a:endParaRPr lang="nl-NL"/>
           </a:p>
@@ -1670,7 +1685,7 @@
           <a:p>
             <a:fld id="{F9A998D0-4466-47BE-85E2-8C9E3531AFF1}" type="slidenum">
               <a:rPr lang="nl-NL" smtClean="0"/>
-              <a:t>‹#›</a:t>
+              <a:t>‹nr.›</a:t>
             </a:fld>
             <a:endParaRPr lang="nl-NL"/>
           </a:p>
@@ -2105,7 +2120,7 @@
           <a:p>
             <a:fld id="{B2E4F3CE-5921-4ADD-9964-2DE7A47474AF}" type="datetimeFigureOut">
               <a:rPr lang="nl-NL" smtClean="0"/>
-              <a:t>11-4-2018</a:t>
+              <a:t>12-4-2018</a:t>
             </a:fld>
             <a:endParaRPr lang="nl-NL"/>
           </a:p>
@@ -2147,7 +2162,7 @@
           <a:p>
             <a:fld id="{F9A998D0-4466-47BE-85E2-8C9E3531AFF1}" type="slidenum">
               <a:rPr lang="nl-NL" smtClean="0"/>
-              <a:t>‹#›</a:t>
+              <a:t>‹nr.›</a:t>
             </a:fld>
             <a:endParaRPr lang="nl-NL"/>
           </a:p>
@@ -2223,7 +2238,7 @@
           <a:p>
             <a:fld id="{B2E4F3CE-5921-4ADD-9964-2DE7A47474AF}" type="datetimeFigureOut">
               <a:rPr lang="nl-NL" smtClean="0"/>
-              <a:t>11-4-2018</a:t>
+              <a:t>12-4-2018</a:t>
             </a:fld>
             <a:endParaRPr lang="nl-NL"/>
           </a:p>
@@ -2265,7 +2280,7 @@
           <a:p>
             <a:fld id="{F9A998D0-4466-47BE-85E2-8C9E3531AFF1}" type="slidenum">
               <a:rPr lang="nl-NL" smtClean="0"/>
-              <a:t>‹#›</a:t>
+              <a:t>‹nr.›</a:t>
             </a:fld>
             <a:endParaRPr lang="nl-NL"/>
           </a:p>
@@ -2318,7 +2333,7 @@
           <a:p>
             <a:fld id="{B2E4F3CE-5921-4ADD-9964-2DE7A47474AF}" type="datetimeFigureOut">
               <a:rPr lang="nl-NL" smtClean="0"/>
-              <a:t>11-4-2018</a:t>
+              <a:t>12-4-2018</a:t>
             </a:fld>
             <a:endParaRPr lang="nl-NL"/>
           </a:p>
@@ -2360,7 +2375,7 @@
           <a:p>
             <a:fld id="{F9A998D0-4466-47BE-85E2-8C9E3531AFF1}" type="slidenum">
               <a:rPr lang="nl-NL" smtClean="0"/>
-              <a:t>‹#›</a:t>
+              <a:t>‹nr.›</a:t>
             </a:fld>
             <a:endParaRPr lang="nl-NL"/>
           </a:p>
@@ -2493,7 +2508,7 @@
           <a:p>
             <a:fld id="{B2E4F3CE-5921-4ADD-9964-2DE7A47474AF}" type="datetimeFigureOut">
               <a:rPr lang="nl-NL" smtClean="0"/>
-              <a:t>11-4-2018</a:t>
+              <a:t>12-4-2018</a:t>
             </a:fld>
             <a:endParaRPr lang="nl-NL"/>
           </a:p>
@@ -2535,7 +2550,7 @@
           <a:p>
             <a:fld id="{F9A998D0-4466-47BE-85E2-8C9E3531AFF1}" type="slidenum">
               <a:rPr lang="nl-NL" smtClean="0"/>
-              <a:t>‹#›</a:t>
+              <a:t>‹nr.›</a:t>
             </a:fld>
             <a:endParaRPr lang="nl-NL"/>
           </a:p>
@@ -2673,7 +2688,7 @@
           <a:p>
             <a:fld id="{B2E4F3CE-5921-4ADD-9964-2DE7A47474AF}" type="datetimeFigureOut">
               <a:rPr lang="nl-NL" smtClean="0"/>
-              <a:t>11-4-2018</a:t>
+              <a:t>12-4-2018</a:t>
             </a:fld>
             <a:endParaRPr lang="nl-NL"/>
           </a:p>
@@ -2715,7 +2730,7 @@
           <a:p>
             <a:fld id="{F9A998D0-4466-47BE-85E2-8C9E3531AFF1}" type="slidenum">
               <a:rPr lang="nl-NL" smtClean="0"/>
-              <a:t>‹#›</a:t>
+              <a:t>‹nr.›</a:t>
             </a:fld>
             <a:endParaRPr lang="nl-NL"/>
           </a:p>
@@ -2883,7 +2898,7 @@
           <a:p>
             <a:fld id="{B2E4F3CE-5921-4ADD-9964-2DE7A47474AF}" type="datetimeFigureOut">
               <a:rPr lang="nl-NL" smtClean="0"/>
-              <a:t>11-4-2018</a:t>
+              <a:t>12-4-2018</a:t>
             </a:fld>
             <a:endParaRPr lang="nl-NL"/>
           </a:p>
@@ -2957,7 +2972,7 @@
           <a:p>
             <a:fld id="{F9A998D0-4466-47BE-85E2-8C9E3531AFF1}" type="slidenum">
               <a:rPr lang="nl-NL" smtClean="0"/>
-              <a:t>‹#›</a:t>
+              <a:t>‹nr.›</a:t>
             </a:fld>
             <a:endParaRPr lang="nl-NL" dirty="0"/>
           </a:p>
@@ -3006,7 +3021,7 @@
           <p:cNvPr id="8" name="Picture 7" descr="A group of people in a room&#10;&#10;Description generated with very high confidence">
             <a:extLst>
               <a:ext uri="{FF2B5EF4-FFF2-40B4-BE49-F238E27FC236}">
-                <a16:creationId xmlns:a16="http://schemas.microsoft.com/office/drawing/2014/main" id="{E8DF0BB6-DCAB-4E9C-8305-3C25099E8419}"/>
+                <a16:creationId xmlns:a16="http://schemas.microsoft.com/office/drawing/2014/main" xmlns="" id="{E8DF0BB6-DCAB-4E9C-8305-3C25099E8419}"/>
               </a:ext>
             </a:extLst>
           </p:cNvPr>
@@ -3016,7 +3031,7 @@
           <p:nvPr userDrawn="1"/>
         </p:nvPicPr>
         <p:blipFill>
-          <a:blip r:embed="rId12">
+          <a:blip r:embed="rId12" cstate="print">
             <a:extLst>
               <a:ext uri="{28A0092B-C50C-407E-A947-70E740481C1C}">
                 <a14:useLocalDpi xmlns:a14="http://schemas.microsoft.com/office/drawing/2010/main" val="0"/>
@@ -3440,7 +3455,7 @@
           <p:cNvPr id="2" name="Title 1">
             <a:extLst>
               <a:ext uri="{FF2B5EF4-FFF2-40B4-BE49-F238E27FC236}">
-                <a16:creationId xmlns:a16="http://schemas.microsoft.com/office/drawing/2014/main" id="{DFB35624-C45A-4417-8484-F487F43C3428}"/>
+                <a16:creationId xmlns:a16="http://schemas.microsoft.com/office/drawing/2014/main" xmlns="" id="{DFB35624-C45A-4417-8484-F487F43C3428}"/>
               </a:ext>
             </a:extLst>
           </p:cNvPr>
@@ -3468,7 +3483,7 @@
           <p:cNvPr id="3" name="Text Placeholder 2">
             <a:extLst>
               <a:ext uri="{FF2B5EF4-FFF2-40B4-BE49-F238E27FC236}">
-                <a16:creationId xmlns:a16="http://schemas.microsoft.com/office/drawing/2014/main" id="{F477C6E4-8C06-4C8A-8A0C-C1EDED58155D}"/>
+                <a16:creationId xmlns:a16="http://schemas.microsoft.com/office/drawing/2014/main" xmlns="" id="{F477C6E4-8C06-4C8A-8A0C-C1EDED58155D}"/>
               </a:ext>
             </a:extLst>
           </p:cNvPr>
@@ -3501,6 +3516,13 @@
   <p:clrMapOvr>
     <a:masterClrMapping/>
   </p:clrMapOvr>
+  <p:timing>
+    <p:tnLst>
+      <p:par>
+        <p:cTn id="1" dur="indefinite" restart="never" nodeType="tmRoot"/>
+      </p:par>
+    </p:tnLst>
+  </p:timing>
 </p:sld>
 </file>
 
@@ -3526,7 +3548,7 @@
           <p:cNvPr id="2" name="Title 1">
             <a:extLst>
               <a:ext uri="{FF2B5EF4-FFF2-40B4-BE49-F238E27FC236}">
-                <a16:creationId xmlns:a16="http://schemas.microsoft.com/office/drawing/2014/main" id="{B316E15D-5285-4040-B0CA-A60CCD8138E7}"/>
+                <a16:creationId xmlns:a16="http://schemas.microsoft.com/office/drawing/2014/main" xmlns="" id="{B316E15D-5285-4040-B0CA-A60CCD8138E7}"/>
               </a:ext>
             </a:extLst>
           </p:cNvPr>
@@ -3554,7 +3576,7 @@
           <p:cNvPr id="3" name="Content Placeholder 2">
             <a:extLst>
               <a:ext uri="{FF2B5EF4-FFF2-40B4-BE49-F238E27FC236}">
-                <a16:creationId xmlns:a16="http://schemas.microsoft.com/office/drawing/2014/main" id="{906DB741-2168-408B-B058-4468F5BD5E16}"/>
+                <a16:creationId xmlns:a16="http://schemas.microsoft.com/office/drawing/2014/main" xmlns="" id="{906DB741-2168-408B-B058-4468F5BD5E16}"/>
               </a:ext>
             </a:extLst>
           </p:cNvPr>
@@ -3600,7 +3622,7 @@
           <p:cNvPr id="11" name="Graphic 10" descr="Users">
             <a:extLst>
               <a:ext uri="{FF2B5EF4-FFF2-40B4-BE49-F238E27FC236}">
-                <a16:creationId xmlns:a16="http://schemas.microsoft.com/office/drawing/2014/main" id="{BAD6415D-B3E6-4BF9-9F08-7C42DEF5E5D5}"/>
+                <a16:creationId xmlns:a16="http://schemas.microsoft.com/office/drawing/2014/main" xmlns="" id="{BAD6415D-B3E6-4BF9-9F08-7C42DEF5E5D5}"/>
               </a:ext>
             </a:extLst>
           </p:cNvPr>
@@ -3616,7 +3638,7 @@
                 <a14:useLocalDpi xmlns:a14="http://schemas.microsoft.com/office/drawing/2010/main" val="0"/>
               </a:ext>
               <a:ext uri="{96DAC541-7B7A-43D3-8B79-37D633B846F1}">
-                <asvg:svgBlip xmlns:asvg="http://schemas.microsoft.com/office/drawing/2016/SVG/main" r:embed="rId3"/>
+                <asvg:svgBlip xmlns:asvg="http://schemas.microsoft.com/office/drawing/2016/SVG/main" xmlns="" r:embed="rId3"/>
               </a:ext>
             </a:extLst>
           </a:blip>
@@ -3639,7 +3661,7 @@
           <p:cNvPr id="12" name="Graphic 11" descr="Thought bubble">
             <a:extLst>
               <a:ext uri="{FF2B5EF4-FFF2-40B4-BE49-F238E27FC236}">
-                <a16:creationId xmlns:a16="http://schemas.microsoft.com/office/drawing/2014/main" id="{1D57CA42-9398-4793-BFAB-EC5BC6E7EC91}"/>
+                <a16:creationId xmlns:a16="http://schemas.microsoft.com/office/drawing/2014/main" xmlns="" id="{1D57CA42-9398-4793-BFAB-EC5BC6E7EC91}"/>
               </a:ext>
             </a:extLst>
           </p:cNvPr>
@@ -3655,7 +3677,7 @@
                 <a14:useLocalDpi xmlns:a14="http://schemas.microsoft.com/office/drawing/2010/main" val="0"/>
               </a:ext>
               <a:ext uri="{96DAC541-7B7A-43D3-8B79-37D633B846F1}">
-                <asvg:svgBlip xmlns:asvg="http://schemas.microsoft.com/office/drawing/2016/SVG/main" r:embed="rId5"/>
+                <asvg:svgBlip xmlns:asvg="http://schemas.microsoft.com/office/drawing/2016/SVG/main" xmlns="" r:embed="rId5"/>
               </a:ext>
             </a:extLst>
           </a:blip>
@@ -3678,7 +3700,7 @@
           <p:cNvPr id="15" name="Group 14">
             <a:extLst>
               <a:ext uri="{FF2B5EF4-FFF2-40B4-BE49-F238E27FC236}">
-                <a16:creationId xmlns:a16="http://schemas.microsoft.com/office/drawing/2014/main" id="{14D40D8B-A2E8-442C-8822-A34D2861DA75}"/>
+                <a16:creationId xmlns:a16="http://schemas.microsoft.com/office/drawing/2014/main" xmlns="" id="{14D40D8B-A2E8-442C-8822-A34D2861DA75}"/>
               </a:ext>
             </a:extLst>
           </p:cNvPr>
@@ -3698,7 +3720,7 @@
             <p:cNvPr id="13" name="Graphic 12" descr="Thought bubble">
               <a:extLst>
                 <a:ext uri="{FF2B5EF4-FFF2-40B4-BE49-F238E27FC236}">
-                  <a16:creationId xmlns:a16="http://schemas.microsoft.com/office/drawing/2014/main" id="{8497F3BB-3A49-430E-A626-6DF6E0C24F2A}"/>
+                  <a16:creationId xmlns:a16="http://schemas.microsoft.com/office/drawing/2014/main" xmlns="" id="{8497F3BB-3A49-430E-A626-6DF6E0C24F2A}"/>
                 </a:ext>
               </a:extLst>
             </p:cNvPr>
@@ -3714,7 +3736,7 @@
                   <a14:useLocalDpi xmlns:a14="http://schemas.microsoft.com/office/drawing/2010/main" val="0"/>
                 </a:ext>
                 <a:ext uri="{96DAC541-7B7A-43D3-8B79-37D633B846F1}">
-                  <asvg:svgBlip xmlns:asvg="http://schemas.microsoft.com/office/drawing/2016/SVG/main" r:embed="rId5"/>
+                  <asvg:svgBlip xmlns:asvg="http://schemas.microsoft.com/office/drawing/2016/SVG/main" xmlns="" r:embed="rId5"/>
                 </a:ext>
               </a:extLst>
             </a:blip>
@@ -3737,7 +3759,7 @@
             <p:cNvPr id="14" name="Graphic 13" descr="Table">
               <a:extLst>
                 <a:ext uri="{FF2B5EF4-FFF2-40B4-BE49-F238E27FC236}">
-                  <a16:creationId xmlns:a16="http://schemas.microsoft.com/office/drawing/2014/main" id="{A33361AA-CCED-43FC-8187-31BDFBD1DE18}"/>
+                  <a16:creationId xmlns:a16="http://schemas.microsoft.com/office/drawing/2014/main" xmlns="" id="{A33361AA-CCED-43FC-8187-31BDFBD1DE18}"/>
                 </a:ext>
               </a:extLst>
             </p:cNvPr>
@@ -3747,13 +3769,13 @@
             <p:nvPr/>
           </p:nvPicPr>
           <p:blipFill>
-            <a:blip r:embed="rId6">
+            <a:blip r:embed="rId6" cstate="print">
               <a:extLst>
                 <a:ext uri="{28A0092B-C50C-407E-A947-70E740481C1C}">
                   <a14:useLocalDpi xmlns:a14="http://schemas.microsoft.com/office/drawing/2010/main" val="0"/>
                 </a:ext>
                 <a:ext uri="{96DAC541-7B7A-43D3-8B79-37D633B846F1}">
-                  <asvg:svgBlip xmlns:asvg="http://schemas.microsoft.com/office/drawing/2016/SVG/main" r:embed="rId7"/>
+                  <asvg:svgBlip xmlns:asvg="http://schemas.microsoft.com/office/drawing/2016/SVG/main" xmlns="" r:embed="rId7"/>
                 </a:ext>
               </a:extLst>
             </a:blip>
@@ -3777,7 +3799,7 @@
           <p:cNvPr id="17" name="Graphic 16" descr="Checklist">
             <a:extLst>
               <a:ext uri="{FF2B5EF4-FFF2-40B4-BE49-F238E27FC236}">
-                <a16:creationId xmlns:a16="http://schemas.microsoft.com/office/drawing/2014/main" id="{9FAA60AB-D945-4B2C-B059-73A2925ABD46}"/>
+                <a16:creationId xmlns:a16="http://schemas.microsoft.com/office/drawing/2014/main" xmlns="" id="{9FAA60AB-D945-4B2C-B059-73A2925ABD46}"/>
               </a:ext>
             </a:extLst>
           </p:cNvPr>
@@ -3787,13 +3809,13 @@
           <p:nvPr/>
         </p:nvPicPr>
         <p:blipFill>
-          <a:blip r:embed="rId8">
+          <a:blip r:embed="rId8" cstate="print">
             <a:extLst>
               <a:ext uri="{28A0092B-C50C-407E-A947-70E740481C1C}">
                 <a14:useLocalDpi xmlns:a14="http://schemas.microsoft.com/office/drawing/2010/main" val="0"/>
               </a:ext>
               <a:ext uri="{96DAC541-7B7A-43D3-8B79-37D633B846F1}">
-                <asvg:svgBlip xmlns:asvg="http://schemas.microsoft.com/office/drawing/2016/SVG/main" r:embed="rId9"/>
+                <asvg:svgBlip xmlns:asvg="http://schemas.microsoft.com/office/drawing/2016/SVG/main" xmlns="" r:embed="rId9"/>
               </a:ext>
             </a:extLst>
           </a:blip>
@@ -3816,7 +3838,7 @@
           <p:cNvPr id="19" name="Graphic 18" descr="Lightbulb">
             <a:extLst>
               <a:ext uri="{FF2B5EF4-FFF2-40B4-BE49-F238E27FC236}">
-                <a16:creationId xmlns:a16="http://schemas.microsoft.com/office/drawing/2014/main" id="{BC4D9F31-504D-40D5-8B54-E550A3DD2950}"/>
+                <a16:creationId xmlns:a16="http://schemas.microsoft.com/office/drawing/2014/main" xmlns="" id="{BC4D9F31-504D-40D5-8B54-E550A3DD2950}"/>
               </a:ext>
             </a:extLst>
           </p:cNvPr>
@@ -3826,13 +3848,13 @@
           <p:nvPr/>
         </p:nvPicPr>
         <p:blipFill>
-          <a:blip r:embed="rId10">
+          <a:blip r:embed="rId10" cstate="print">
             <a:extLst>
               <a:ext uri="{28A0092B-C50C-407E-A947-70E740481C1C}">
                 <a14:useLocalDpi xmlns:a14="http://schemas.microsoft.com/office/drawing/2010/main" val="0"/>
               </a:ext>
               <a:ext uri="{96DAC541-7B7A-43D3-8B79-37D633B846F1}">
-                <asvg:svgBlip xmlns:asvg="http://schemas.microsoft.com/office/drawing/2016/SVG/main" r:embed="rId11"/>
+                <asvg:svgBlip xmlns:asvg="http://schemas.microsoft.com/office/drawing/2016/SVG/main" xmlns="" r:embed="rId11"/>
               </a:ext>
             </a:extLst>
           </a:blip>
@@ -3860,6 +3882,13 @@
   <p:clrMapOvr>
     <a:masterClrMapping/>
   </p:clrMapOvr>
+  <p:timing>
+    <p:tnLst>
+      <p:par>
+        <p:cTn id="1" dur="indefinite" restart="never" nodeType="tmRoot"/>
+      </p:par>
+    </p:tnLst>
+  </p:timing>
 </p:sld>
 </file>
 
@@ -3885,7 +3914,7 @@
           <p:cNvPr id="2" name="Title 1">
             <a:extLst>
               <a:ext uri="{FF2B5EF4-FFF2-40B4-BE49-F238E27FC236}">
-                <a16:creationId xmlns:a16="http://schemas.microsoft.com/office/drawing/2014/main" id="{60883363-400D-4C7E-9120-EA06A15CECBB}"/>
+                <a16:creationId xmlns:a16="http://schemas.microsoft.com/office/drawing/2014/main" xmlns="" id="{60883363-400D-4C7E-9120-EA06A15CECBB}"/>
               </a:ext>
             </a:extLst>
           </p:cNvPr>
@@ -3901,7 +3930,11 @@
           <a:bodyPr/>
           <a:lstStyle/>
           <a:p>
-            <a:endParaRPr lang="nl-NL"/>
+            <a:r>
+              <a:rPr lang="nl-NL" dirty="0" smtClean="0"/>
+              <a:t>Situatie/gegeven informatie</a:t>
+            </a:r>
+            <a:endParaRPr lang="nl-NL" dirty="0"/>
           </a:p>
         </p:txBody>
       </p:sp>
@@ -3910,7 +3943,7 @@
           <p:cNvPr id="3" name="Content Placeholder 2">
             <a:extLst>
               <a:ext uri="{FF2B5EF4-FFF2-40B4-BE49-F238E27FC236}">
-                <a16:creationId xmlns:a16="http://schemas.microsoft.com/office/drawing/2014/main" id="{A5949A8A-46D3-43A3-88E6-4631F6D7F3E4}"/>
+                <a16:creationId xmlns:a16="http://schemas.microsoft.com/office/drawing/2014/main" xmlns="" id="{A5949A8A-46D3-43A3-88E6-4631F6D7F3E4}"/>
               </a:ext>
             </a:extLst>
           </p:cNvPr>
@@ -3921,12 +3954,41 @@
             <p:ph idx="1"/>
           </p:nvPr>
         </p:nvSpPr>
-        <p:spPr/>
+        <p:spPr>
+          <a:xfrm>
+            <a:off x="1371599" y="1897039"/>
+            <a:ext cx="10651067" cy="3970361"/>
+          </a:xfrm>
+        </p:spPr>
         <p:txBody>
           <a:bodyPr/>
           <a:lstStyle/>
           <a:p>
-            <a:endParaRPr lang="nl-NL"/>
+            <a:r>
+              <a:rPr lang="nl-NL" dirty="0" smtClean="0"/>
+              <a:t>Vakken bestaan uit hoorcolleges en/of werkcolleges en/of practica</a:t>
+            </a:r>
+          </a:p>
+          <a:p>
+            <a:r>
+              <a:rPr lang="nl-NL" dirty="0" smtClean="0"/>
+              <a:t>Alle zalen zijn voor alle drie collegetypes geschikt</a:t>
+            </a:r>
+          </a:p>
+          <a:p>
+            <a:r>
+              <a:rPr lang="nl-NL" dirty="0" smtClean="0"/>
+              <a:t>Bij hoorcolleges moeten alle ingeschreven studenten ineens bedeeld worden</a:t>
+            </a:r>
+          </a:p>
+          <a:p>
+            <a:r>
+              <a:rPr lang="nl-NL" dirty="0" smtClean="0"/>
+              <a:t>Bij werkcolleges en practica moeten de studenten, afhankelijk van de capaciteit, worden ingedeeld in  zo weinig mogelijk groepen</a:t>
+            </a:r>
+          </a:p>
+          <a:p>
+            <a:endParaRPr lang="nl-NL" dirty="0"/>
           </a:p>
         </p:txBody>
       </p:sp>
@@ -3940,6 +4002,13 @@
   <p:clrMapOvr>
     <a:masterClrMapping/>
   </p:clrMapOvr>
+  <p:timing>
+    <p:tnLst>
+      <p:par>
+        <p:cTn id="1" dur="indefinite" restart="never" nodeType="tmRoot"/>
+      </p:par>
+    </p:tnLst>
+  </p:timing>
 </p:sld>
 </file>
 
@@ -3965,7 +4034,7 @@
           <p:cNvPr id="2" name="Title 1">
             <a:extLst>
               <a:ext uri="{FF2B5EF4-FFF2-40B4-BE49-F238E27FC236}">
-                <a16:creationId xmlns:a16="http://schemas.microsoft.com/office/drawing/2014/main" id="{460B92D0-C3FC-4816-BD32-0EB0C8AE980D}"/>
+                <a16:creationId xmlns:a16="http://schemas.microsoft.com/office/drawing/2014/main" xmlns="" id="{460B92D0-C3FC-4816-BD32-0EB0C8AE980D}"/>
               </a:ext>
             </a:extLst>
           </p:cNvPr>
@@ -3979,14 +4048,19 @@
         <p:spPr>
           <a:xfrm>
             <a:off x="1371600" y="685800"/>
-            <a:ext cx="5311833" cy="1014214"/>
+            <a:ext cx="5422900" cy="1014214"/>
           </a:xfrm>
         </p:spPr>
         <p:txBody>
-          <a:bodyPr/>
+          <a:bodyPr>
+            <a:normAutofit fontScale="90000"/>
+          </a:bodyPr>
           <a:lstStyle/>
           <a:p>
-            <a:endParaRPr lang="nl-NL" dirty="0"/>
+            <a:r>
+              <a:rPr lang="nl-NL" dirty="0"/>
+              <a:t>Situatie/gegeven informatie</a:t>
+            </a:r>
           </a:p>
         </p:txBody>
       </p:sp>
@@ -3995,7 +4069,7 @@
           <p:cNvPr id="3" name="Content Placeholder 2">
             <a:extLst>
               <a:ext uri="{FF2B5EF4-FFF2-40B4-BE49-F238E27FC236}">
-                <a16:creationId xmlns:a16="http://schemas.microsoft.com/office/drawing/2014/main" id="{39DE8E62-E349-4FAC-AC22-7E063D842504}"/>
+                <a16:creationId xmlns:a16="http://schemas.microsoft.com/office/drawing/2014/main" xmlns="" id="{39DE8E62-E349-4FAC-AC22-7E063D842504}"/>
               </a:ext>
             </a:extLst>
           </p:cNvPr>
@@ -4016,7 +4090,65 @@
           <a:bodyPr/>
           <a:lstStyle/>
           <a:p>
-            <a:endParaRPr lang="nl-NL"/>
+            <a:r>
+              <a:rPr lang="nl-NL" dirty="0" smtClean="0"/>
+              <a:t>Vakken (per vak aangegeven):</a:t>
+            </a:r>
+          </a:p>
+          <a:p>
+            <a:pPr lvl="1"/>
+            <a:r>
+              <a:rPr lang="nl-NL" i="0" dirty="0" smtClean="0"/>
+              <a:t># hoorcolleges</a:t>
+            </a:r>
+          </a:p>
+          <a:p>
+            <a:pPr lvl="1"/>
+            <a:r>
+              <a:rPr lang="nl-NL" i="0" dirty="0" smtClean="0"/>
+              <a:t># werkcolleges</a:t>
+            </a:r>
+          </a:p>
+          <a:p>
+            <a:pPr lvl="1"/>
+            <a:r>
+              <a:rPr lang="nl-NL" i="0" dirty="0" smtClean="0"/>
+              <a:t>Max. </a:t>
+            </a:r>
+            <a:r>
+              <a:rPr lang="nl-NL" i="0" dirty="0"/>
+              <a:t>a</a:t>
+            </a:r>
+            <a:r>
+              <a:rPr lang="nl-NL" i="0" dirty="0" smtClean="0"/>
+              <a:t>antal stud. </a:t>
+            </a:r>
+            <a:r>
+              <a:rPr lang="nl-NL" i="0" dirty="0"/>
+              <a:t>w</a:t>
+            </a:r>
+            <a:r>
+              <a:rPr lang="nl-NL" i="0" dirty="0" smtClean="0"/>
+              <a:t>erkcollege</a:t>
+            </a:r>
+          </a:p>
+          <a:p>
+            <a:pPr lvl="1"/>
+            <a:r>
+              <a:rPr lang="nl-NL" i="0" dirty="0" smtClean="0"/>
+              <a:t># practica</a:t>
+            </a:r>
+          </a:p>
+          <a:p>
+            <a:pPr lvl="1"/>
+            <a:r>
+              <a:rPr lang="nl-NL" i="0" dirty="0" smtClean="0"/>
+              <a:t>Max. aantal stud. werkcollege</a:t>
+            </a:r>
+          </a:p>
+          <a:p>
+            <a:pPr lvl="1"/>
+            <a:endParaRPr lang="nl-NL" i="0" dirty="0"/>
           </a:p>
         </p:txBody>
       </p:sp>
@@ -4025,7 +4157,7 @@
           <p:cNvPr id="4" name="Picture 3">
             <a:extLst>
               <a:ext uri="{FF2B5EF4-FFF2-40B4-BE49-F238E27FC236}">
-                <a16:creationId xmlns:a16="http://schemas.microsoft.com/office/drawing/2014/main" id="{553AD8A9-86F0-44D6-A367-4707FE0F288E}"/>
+                <a16:creationId xmlns:a16="http://schemas.microsoft.com/office/drawing/2014/main" xmlns="" id="{553AD8A9-86F0-44D6-A367-4707FE0F288E}"/>
               </a:ext>
             </a:extLst>
           </p:cNvPr>
@@ -4060,6 +4192,13 @@
   <p:clrMapOvr>
     <a:masterClrMapping/>
   </p:clrMapOvr>
+  <p:timing>
+    <p:tnLst>
+      <p:par>
+        <p:cTn id="1" dur="indefinite" restart="never" nodeType="tmRoot"/>
+      </p:par>
+    </p:tnLst>
+  </p:timing>
 </p:sld>
 </file>
 
@@ -4085,7 +4224,784 @@
           <p:cNvPr id="2" name="Title 1">
             <a:extLst>
               <a:ext uri="{FF2B5EF4-FFF2-40B4-BE49-F238E27FC236}">
-                <a16:creationId xmlns:a16="http://schemas.microsoft.com/office/drawing/2014/main" id="{AE1733C9-54EC-4DA5-832E-FF885E5A6582}"/>
+                <a16:creationId xmlns:a16="http://schemas.microsoft.com/office/drawing/2014/main" xmlns="" id="{460B92D0-C3FC-4816-BD32-0EB0C8AE980D}"/>
+              </a:ext>
+            </a:extLst>
+          </p:cNvPr>
+          <p:cNvSpPr>
+            <a:spLocks noGrp="1"/>
+          </p:cNvSpPr>
+          <p:nvPr>
+            <p:ph type="title"/>
+          </p:nvPr>
+        </p:nvSpPr>
+        <p:spPr>
+          <a:xfrm>
+            <a:off x="1371600" y="685800"/>
+            <a:ext cx="5422900" cy="1014214"/>
+          </a:xfrm>
+        </p:spPr>
+        <p:txBody>
+          <a:bodyPr>
+            <a:normAutofit fontScale="90000"/>
+          </a:bodyPr>
+          <a:lstStyle/>
+          <a:p>
+            <a:r>
+              <a:rPr lang="nl-NL" dirty="0"/>
+              <a:t>Situatie/gegeven informatie</a:t>
+            </a:r>
+          </a:p>
+        </p:txBody>
+      </p:sp>
+      <p:sp>
+        <p:nvSpPr>
+          <p:cNvPr id="3" name="Content Placeholder 2">
+            <a:extLst>
+              <a:ext uri="{FF2B5EF4-FFF2-40B4-BE49-F238E27FC236}">
+                <a16:creationId xmlns:a16="http://schemas.microsoft.com/office/drawing/2014/main" xmlns="" id="{39DE8E62-E349-4FAC-AC22-7E063D842504}"/>
+              </a:ext>
+            </a:extLst>
+          </p:cNvPr>
+          <p:cNvSpPr>
+            <a:spLocks noGrp="1"/>
+          </p:cNvSpPr>
+          <p:nvPr>
+            <p:ph idx="1"/>
+          </p:nvPr>
+        </p:nvSpPr>
+        <p:spPr>
+          <a:xfrm>
+            <a:off x="1371600" y="1897039"/>
+            <a:ext cx="5311833" cy="3970361"/>
+          </a:xfrm>
+        </p:spPr>
+        <p:txBody>
+          <a:bodyPr/>
+          <a:lstStyle/>
+          <a:p>
+            <a:r>
+              <a:rPr lang="nl-NL" dirty="0" smtClean="0"/>
+              <a:t>609 studenten (</a:t>
+            </a:r>
+            <a:r>
+              <a:rPr lang="nl-NL" dirty="0" err="1" smtClean="0"/>
+              <a:t>csv</a:t>
+            </a:r>
+            <a:r>
+              <a:rPr lang="nl-NL" dirty="0"/>
+              <a:t> </a:t>
+            </a:r>
+            <a:r>
+              <a:rPr lang="nl-NL" dirty="0" smtClean="0"/>
+              <a:t>bestand):</a:t>
+            </a:r>
+            <a:endParaRPr lang="nl-NL" i="0" dirty="0" smtClean="0"/>
+          </a:p>
+          <a:p>
+            <a:pPr lvl="1"/>
+            <a:r>
+              <a:rPr lang="nl-NL" i="0" dirty="0" smtClean="0"/>
+              <a:t>Achternaam</a:t>
+            </a:r>
+          </a:p>
+          <a:p>
+            <a:pPr lvl="1"/>
+            <a:r>
+              <a:rPr lang="en-GB" i="0" dirty="0" err="1" smtClean="0"/>
+              <a:t>Voornaam</a:t>
+            </a:r>
+            <a:endParaRPr lang="en-GB" i="0" dirty="0" smtClean="0"/>
+          </a:p>
+          <a:p>
+            <a:pPr lvl="1"/>
+            <a:r>
+              <a:rPr lang="en-GB" i="0" dirty="0" err="1" smtClean="0"/>
+              <a:t>Studentnummer</a:t>
+            </a:r>
+            <a:endParaRPr lang="nl-NL" i="0" dirty="0" smtClean="0"/>
+          </a:p>
+          <a:p>
+            <a:pPr lvl="1"/>
+            <a:r>
+              <a:rPr lang="nl-NL" i="0" dirty="0"/>
+              <a:t>V</a:t>
+            </a:r>
+            <a:r>
+              <a:rPr lang="nl-NL" i="0" dirty="0" smtClean="0"/>
+              <a:t>akken (1-5)</a:t>
+            </a:r>
+          </a:p>
+          <a:p>
+            <a:pPr lvl="1"/>
+            <a:endParaRPr lang="nl-NL" i="0" dirty="0"/>
+          </a:p>
+        </p:txBody>
+      </p:sp>
+      <p:pic>
+        <p:nvPicPr>
+          <p:cNvPr id="5" name="Afbeelding 4"/>
+          <p:cNvPicPr>
+            <a:picLocks noChangeAspect="1"/>
+          </p:cNvPicPr>
+          <p:nvPr/>
+        </p:nvPicPr>
+        <p:blipFill>
+          <a:blip r:embed="rId2"/>
+          <a:stretch>
+            <a:fillRect/>
+          </a:stretch>
+        </p:blipFill>
+        <p:spPr>
+          <a:xfrm>
+            <a:off x="5056877" y="3166433"/>
+            <a:ext cx="6667500" cy="2457450"/>
+          </a:xfrm>
+          <a:prstGeom prst="rect">
+            <a:avLst/>
+          </a:prstGeom>
+        </p:spPr>
+      </p:pic>
+    </p:spTree>
+    <p:extLst>
+      <p:ext uri="{BB962C8B-B14F-4D97-AF65-F5344CB8AC3E}">
+        <p14:creationId xmlns:p14="http://schemas.microsoft.com/office/powerpoint/2010/main" val="1179323826"/>
+      </p:ext>
+    </p:extLst>
+  </p:cSld>
+  <p:clrMapOvr>
+    <a:masterClrMapping/>
+  </p:clrMapOvr>
+  <p:timing>
+    <p:tnLst>
+      <p:par>
+        <p:cTn id="1" dur="indefinite" restart="never" nodeType="tmRoot"/>
+      </p:par>
+    </p:tnLst>
+  </p:timing>
+</p:sld>
+</file>
+
+<file path=ppt/slides/slide6.xml><?xml version="1.0" encoding="utf-8"?>
+<p:sld xmlns:a="http://schemas.openxmlformats.org/drawingml/2006/main" xmlns:r="http://schemas.openxmlformats.org/officeDocument/2006/relationships" xmlns:p="http://schemas.openxmlformats.org/presentationml/2006/main">
+  <p:cSld>
+    <p:spTree>
+      <p:nvGrpSpPr>
+        <p:cNvPr id="1" name=""/>
+        <p:cNvGrpSpPr/>
+        <p:nvPr/>
+      </p:nvGrpSpPr>
+      <p:grpSpPr>
+        <a:xfrm>
+          <a:off x="0" y="0"/>
+          <a:ext cx="0" cy="0"/>
+          <a:chOff x="0" y="0"/>
+          <a:chExt cx="0" cy="0"/>
+        </a:xfrm>
+      </p:grpSpPr>
+      <p:sp>
+        <p:nvSpPr>
+          <p:cNvPr id="2" name="Title 1">
+            <a:extLst>
+              <a:ext uri="{FF2B5EF4-FFF2-40B4-BE49-F238E27FC236}">
+                <a16:creationId xmlns:a16="http://schemas.microsoft.com/office/drawing/2014/main" xmlns="" id="{460B92D0-C3FC-4816-BD32-0EB0C8AE980D}"/>
+              </a:ext>
+            </a:extLst>
+          </p:cNvPr>
+          <p:cNvSpPr>
+            <a:spLocks noGrp="1"/>
+          </p:cNvSpPr>
+          <p:nvPr>
+            <p:ph type="title"/>
+          </p:nvPr>
+        </p:nvSpPr>
+        <p:spPr>
+          <a:xfrm>
+            <a:off x="1371600" y="685800"/>
+            <a:ext cx="5422900" cy="1014214"/>
+          </a:xfrm>
+        </p:spPr>
+        <p:txBody>
+          <a:bodyPr>
+            <a:normAutofit fontScale="90000"/>
+          </a:bodyPr>
+          <a:lstStyle/>
+          <a:p>
+            <a:r>
+              <a:rPr lang="nl-NL" dirty="0"/>
+              <a:t>Situatie/gegeven informatie</a:t>
+            </a:r>
+          </a:p>
+        </p:txBody>
+      </p:sp>
+      <p:sp>
+        <p:nvSpPr>
+          <p:cNvPr id="3" name="Content Placeholder 2">
+            <a:extLst>
+              <a:ext uri="{FF2B5EF4-FFF2-40B4-BE49-F238E27FC236}">
+                <a16:creationId xmlns:a16="http://schemas.microsoft.com/office/drawing/2014/main" xmlns="" id="{39DE8E62-E349-4FAC-AC22-7E063D842504}"/>
+              </a:ext>
+            </a:extLst>
+          </p:cNvPr>
+          <p:cNvSpPr>
+            <a:spLocks noGrp="1"/>
+          </p:cNvSpPr>
+          <p:nvPr>
+            <p:ph idx="1"/>
+          </p:nvPr>
+        </p:nvSpPr>
+        <p:spPr>
+          <a:xfrm>
+            <a:off x="1371600" y="1897039"/>
+            <a:ext cx="5311833" cy="3970361"/>
+          </a:xfrm>
+        </p:spPr>
+        <p:txBody>
+          <a:bodyPr>
+            <a:normAutofit fontScale="92500" lnSpcReduction="10000"/>
+          </a:bodyPr>
+          <a:lstStyle/>
+          <a:p>
+            <a:r>
+              <a:rPr lang="nl-NL" dirty="0" smtClean="0"/>
+              <a:t>Zalen</a:t>
+            </a:r>
+          </a:p>
+          <a:p>
+            <a:pPr lvl="1"/>
+            <a:r>
+              <a:rPr lang="nl-NL" i="0" dirty="0" smtClean="0"/>
+              <a:t>Zaalnummer</a:t>
+            </a:r>
+          </a:p>
+          <a:p>
+            <a:pPr lvl="1"/>
+            <a:r>
+              <a:rPr lang="nl-NL" i="0" dirty="0" smtClean="0"/>
+              <a:t>Max. Capaciteit</a:t>
+            </a:r>
+          </a:p>
+          <a:p>
+            <a:pPr lvl="1"/>
+            <a:endParaRPr lang="nl-NL" i="0" dirty="0"/>
+          </a:p>
+          <a:p>
+            <a:r>
+              <a:rPr lang="nl-NL" dirty="0" smtClean="0"/>
+              <a:t>Tijdslot</a:t>
+            </a:r>
+          </a:p>
+          <a:p>
+            <a:pPr lvl="1"/>
+            <a:r>
+              <a:rPr lang="nl-NL" i="0" dirty="0" smtClean="0"/>
+              <a:t>09.00 - 11.00</a:t>
+            </a:r>
+          </a:p>
+          <a:p>
+            <a:pPr lvl="1"/>
+            <a:r>
+              <a:rPr lang="en-GB" i="0" dirty="0" smtClean="0"/>
+              <a:t>11.00 - 13.00</a:t>
+            </a:r>
+            <a:endParaRPr lang="nl-NL" i="0" dirty="0" smtClean="0"/>
+          </a:p>
+          <a:p>
+            <a:pPr lvl="1"/>
+            <a:r>
+              <a:rPr lang="nl-NL" i="0" dirty="0" smtClean="0"/>
+              <a:t>13.00 - 15.00</a:t>
+            </a:r>
+          </a:p>
+          <a:p>
+            <a:pPr lvl="1"/>
+            <a:r>
+              <a:rPr lang="nl-NL" i="0" dirty="0" smtClean="0"/>
+              <a:t>15.00 - 17.00</a:t>
+            </a:r>
+          </a:p>
+          <a:p>
+            <a:pPr lvl="1"/>
+            <a:r>
+              <a:rPr lang="nl-NL" i="0" dirty="0" smtClean="0"/>
+              <a:t>17.00 – 19.00 (50 maluspunten)</a:t>
+            </a:r>
+          </a:p>
+          <a:p>
+            <a:pPr lvl="1"/>
+            <a:endParaRPr lang="nl-NL" i="0" dirty="0"/>
+          </a:p>
+        </p:txBody>
+      </p:sp>
+      <p:pic>
+        <p:nvPicPr>
+          <p:cNvPr id="5" name="Picture 4"/>
+          <p:cNvPicPr>
+            <a:picLocks noChangeAspect="1"/>
+          </p:cNvPicPr>
+          <p:nvPr/>
+        </p:nvPicPr>
+        <p:blipFill>
+          <a:blip r:embed="rId2"/>
+          <a:stretch>
+            <a:fillRect/>
+          </a:stretch>
+        </p:blipFill>
+        <p:spPr>
+          <a:xfrm>
+            <a:off x="7497232" y="1460519"/>
+            <a:ext cx="3678767" cy="3571096"/>
+          </a:xfrm>
+          <a:prstGeom prst="rect">
+            <a:avLst/>
+          </a:prstGeom>
+        </p:spPr>
+      </p:pic>
+    </p:spTree>
+    <p:extLst>
+      <p:ext uri="{BB962C8B-B14F-4D97-AF65-F5344CB8AC3E}">
+        <p14:creationId xmlns:p14="http://schemas.microsoft.com/office/powerpoint/2010/main" val="2695839627"/>
+      </p:ext>
+    </p:extLst>
+  </p:cSld>
+  <p:clrMapOvr>
+    <a:masterClrMapping/>
+  </p:clrMapOvr>
+  <p:timing>
+    <p:tnLst>
+      <p:par>
+        <p:cTn id="1" dur="indefinite" restart="never" nodeType="tmRoot"/>
+      </p:par>
+    </p:tnLst>
+  </p:timing>
+</p:sld>
+</file>
+
+<file path=ppt/slides/slide7.xml><?xml version="1.0" encoding="utf-8"?>
+<p:sld xmlns:a="http://schemas.openxmlformats.org/drawingml/2006/main" xmlns:r="http://schemas.openxmlformats.org/officeDocument/2006/relationships" xmlns:p="http://schemas.openxmlformats.org/presentationml/2006/main">
+  <p:cSld>
+    <p:spTree>
+      <p:nvGrpSpPr>
+        <p:cNvPr id="1" name=""/>
+        <p:cNvGrpSpPr/>
+        <p:nvPr/>
+      </p:nvGrpSpPr>
+      <p:grpSpPr>
+        <a:xfrm>
+          <a:off x="0" y="0"/>
+          <a:ext cx="0" cy="0"/>
+          <a:chOff x="0" y="0"/>
+          <a:chExt cx="0" cy="0"/>
+        </a:xfrm>
+      </p:grpSpPr>
+      <p:sp>
+        <p:nvSpPr>
+          <p:cNvPr id="2" name="Title 1">
+            <a:extLst>
+              <a:ext uri="{FF2B5EF4-FFF2-40B4-BE49-F238E27FC236}">
+                <a16:creationId xmlns:a16="http://schemas.microsoft.com/office/drawing/2014/main" xmlns="" id="{460B92D0-C3FC-4816-BD32-0EB0C8AE980D}"/>
+              </a:ext>
+            </a:extLst>
+          </p:cNvPr>
+          <p:cNvSpPr>
+            <a:spLocks noGrp="1"/>
+          </p:cNvSpPr>
+          <p:nvPr>
+            <p:ph type="title"/>
+          </p:nvPr>
+        </p:nvSpPr>
+        <p:spPr>
+          <a:xfrm>
+            <a:off x="1371600" y="685800"/>
+            <a:ext cx="6756400" cy="1014214"/>
+          </a:xfrm>
+        </p:spPr>
+        <p:txBody>
+          <a:bodyPr>
+            <a:normAutofit/>
+          </a:bodyPr>
+          <a:lstStyle/>
+          <a:p>
+            <a:r>
+              <a:rPr lang="nl-NL" dirty="0" smtClean="0"/>
+              <a:t>Doel</a:t>
+            </a:r>
+            <a:endParaRPr lang="nl-NL" dirty="0"/>
+          </a:p>
+        </p:txBody>
+      </p:sp>
+      <p:sp>
+        <p:nvSpPr>
+          <p:cNvPr id="3" name="Content Placeholder 2">
+            <a:extLst>
+              <a:ext uri="{FF2B5EF4-FFF2-40B4-BE49-F238E27FC236}">
+                <a16:creationId xmlns:a16="http://schemas.microsoft.com/office/drawing/2014/main" xmlns="" id="{39DE8E62-E349-4FAC-AC22-7E063D842504}"/>
+              </a:ext>
+            </a:extLst>
+          </p:cNvPr>
+          <p:cNvSpPr>
+            <a:spLocks noGrp="1"/>
+          </p:cNvSpPr>
+          <p:nvPr>
+            <p:ph idx="1"/>
+          </p:nvPr>
+        </p:nvSpPr>
+        <p:spPr>
+          <a:xfrm>
+            <a:off x="1371600" y="1460500"/>
+            <a:ext cx="10481733" cy="5206999"/>
+          </a:xfrm>
+        </p:spPr>
+        <p:txBody>
+          <a:bodyPr>
+            <a:normAutofit lnSpcReduction="10000"/>
+          </a:bodyPr>
+          <a:lstStyle/>
+          <a:p>
+            <a:pPr marL="0" indent="0">
+              <a:buNone/>
+            </a:pPr>
+            <a:r>
+              <a:rPr lang="nl-NL" sz="2000" dirty="0" smtClean="0"/>
+              <a:t>Een geldig weekrooster maken  =  een rooster waarbij alle roosterbare activiteiten van ieder vak een tijdslot en een zaal hebben.</a:t>
+            </a:r>
+          </a:p>
+          <a:p>
+            <a:pPr marL="0" indent="0">
+              <a:buNone/>
+            </a:pPr>
+            <a:r>
+              <a:rPr lang="nl-NL" sz="2000" dirty="0" smtClean="0"/>
+              <a:t>Geldig rooster is 1000 punten waard</a:t>
+            </a:r>
+          </a:p>
+          <a:p>
+            <a:pPr marL="0" indent="0">
+              <a:buNone/>
+            </a:pPr>
+            <a:endParaRPr lang="nl-NL" sz="2000" dirty="0"/>
+          </a:p>
+          <a:p>
+            <a:pPr marL="0" indent="0">
+              <a:buNone/>
+            </a:pPr>
+            <a:r>
+              <a:rPr lang="nl-NL" sz="2000" b="1" dirty="0" smtClean="0"/>
+              <a:t>Bonuspunten</a:t>
+            </a:r>
+            <a:endParaRPr lang="nl-NL" sz="2000" dirty="0" smtClean="0"/>
+          </a:p>
+          <a:p>
+            <a:r>
+              <a:rPr lang="nl-NL" sz="2000" dirty="0" smtClean="0"/>
+              <a:t>Vakken netjes verdeeld over de week (20 bonuspunten per vak). Voor twee activiteiten ma-do, di-vr, voor drie activiteiten ma-wo-vr, voor vier activiteiten ma-di-do-vr.</a:t>
+            </a:r>
+          </a:p>
+          <a:p>
+            <a:endParaRPr lang="nl-NL" sz="2000" dirty="0"/>
+          </a:p>
+          <a:p>
+            <a:pPr marL="0" indent="0">
+              <a:buNone/>
+            </a:pPr>
+            <a:r>
+              <a:rPr lang="nl-NL" sz="2000" b="1" dirty="0" smtClean="0"/>
+              <a:t>Maluspunten</a:t>
+            </a:r>
+          </a:p>
+          <a:p>
+            <a:r>
+              <a:rPr lang="nl-NL" sz="2000" dirty="0" smtClean="0"/>
+              <a:t>Voor ieder vak van x activiteiten geldt dat ze 10 maluspunten opleveren als ze op x-1 dagen geroosterd zijn, 20 voor x-2 en 30 voor x-3</a:t>
+            </a:r>
+          </a:p>
+          <a:p>
+            <a:r>
+              <a:rPr lang="nl-NL" sz="2000" dirty="0" smtClean="0"/>
+              <a:t>Voor ieder zaalslot geldt dat er één maluspunt valt voor iedere ingeschreven student die er volgens de zaalgrootte niet meer inpast</a:t>
+            </a:r>
+          </a:p>
+          <a:p>
+            <a:r>
+              <a:rPr lang="nl-NL" sz="2000" dirty="0" smtClean="0"/>
+              <a:t>Voor iedere student die meer dan één vak heeft tijdens een tijdslot, 1 maluspunt per conflict</a:t>
+            </a:r>
+          </a:p>
+          <a:p>
+            <a:pPr marL="0" indent="0">
+              <a:buNone/>
+            </a:pPr>
+            <a:endParaRPr lang="nl-NL" sz="2000" b="1" dirty="0" smtClean="0"/>
+          </a:p>
+          <a:p>
+            <a:pPr marL="0" indent="0">
+              <a:buNone/>
+            </a:pPr>
+            <a:endParaRPr lang="nl-NL" sz="2000" dirty="0"/>
+          </a:p>
+        </p:txBody>
+      </p:sp>
+    </p:spTree>
+    <p:extLst>
+      <p:ext uri="{BB962C8B-B14F-4D97-AF65-F5344CB8AC3E}">
+        <p14:creationId xmlns:p14="http://schemas.microsoft.com/office/powerpoint/2010/main" val="7653272"/>
+      </p:ext>
+    </p:extLst>
+  </p:cSld>
+  <p:clrMapOvr>
+    <a:masterClrMapping/>
+  </p:clrMapOvr>
+  <p:timing>
+    <p:tnLst>
+      <p:par>
+        <p:cTn id="1" dur="indefinite" restart="never" nodeType="tmRoot"/>
+      </p:par>
+    </p:tnLst>
+  </p:timing>
+</p:sld>
+</file>
+
+<file path=ppt/slides/slide8.xml><?xml version="1.0" encoding="utf-8"?>
+<p:sld xmlns:a="http://schemas.openxmlformats.org/drawingml/2006/main" xmlns:r="http://schemas.openxmlformats.org/officeDocument/2006/relationships" xmlns:p="http://schemas.openxmlformats.org/presentationml/2006/main">
+  <p:cSld>
+    <p:spTree>
+      <p:nvGrpSpPr>
+        <p:cNvPr id="1" name=""/>
+        <p:cNvGrpSpPr/>
+        <p:nvPr/>
+      </p:nvGrpSpPr>
+      <p:grpSpPr>
+        <a:xfrm>
+          <a:off x="0" y="0"/>
+          <a:ext cx="0" cy="0"/>
+          <a:chOff x="0" y="0"/>
+          <a:chExt cx="0" cy="0"/>
+        </a:xfrm>
+      </p:grpSpPr>
+      <p:sp>
+        <p:nvSpPr>
+          <p:cNvPr id="2" name="Titel 1"/>
+          <p:cNvSpPr>
+            <a:spLocks noGrp="1"/>
+          </p:cNvSpPr>
+          <p:nvPr>
+            <p:ph type="title"/>
+          </p:nvPr>
+        </p:nvSpPr>
+        <p:spPr/>
+        <p:txBody>
+          <a:bodyPr/>
+          <a:lstStyle/>
+          <a:p>
+            <a:r>
+              <a:rPr lang="en-GB" dirty="0" smtClean="0"/>
+              <a:t>Advanced</a:t>
+            </a:r>
+            <a:endParaRPr lang="nl-NL" dirty="0"/>
+          </a:p>
+        </p:txBody>
+      </p:sp>
+      <p:sp>
+        <p:nvSpPr>
+          <p:cNvPr id="3" name="Tijdelijke aanduiding voor inhoud 2"/>
+          <p:cNvSpPr>
+            <a:spLocks noGrp="1"/>
+          </p:cNvSpPr>
+          <p:nvPr>
+            <p:ph idx="1"/>
+          </p:nvPr>
+        </p:nvSpPr>
+        <p:spPr/>
+        <p:txBody>
+          <a:bodyPr/>
+          <a:lstStyle/>
+          <a:p>
+            <a:r>
+              <a:rPr lang="en-GB" dirty="0" err="1" smtClean="0"/>
+              <a:t>Boekingsbezetting</a:t>
+            </a:r>
+            <a:r>
+              <a:rPr lang="en-GB" dirty="0" smtClean="0"/>
+              <a:t> (</a:t>
+            </a:r>
+            <a:r>
+              <a:rPr lang="en-GB" dirty="0" err="1" smtClean="0"/>
+              <a:t>bezette</a:t>
+            </a:r>
+            <a:r>
+              <a:rPr lang="en-GB" dirty="0" smtClean="0"/>
+              <a:t> </a:t>
+            </a:r>
+            <a:r>
+              <a:rPr lang="en-GB" dirty="0" err="1" smtClean="0"/>
+              <a:t>tijdsslots</a:t>
+            </a:r>
+            <a:r>
+              <a:rPr lang="en-GB" dirty="0" smtClean="0"/>
+              <a:t> </a:t>
+            </a:r>
+            <a:r>
+              <a:rPr lang="en-GB" dirty="0" err="1" smtClean="0"/>
+              <a:t>tegen</a:t>
+            </a:r>
+            <a:r>
+              <a:rPr lang="en-GB" dirty="0" smtClean="0"/>
+              <a:t> </a:t>
+            </a:r>
+            <a:r>
+              <a:rPr lang="en-GB" dirty="0" err="1" smtClean="0"/>
+              <a:t>vrije</a:t>
+            </a:r>
+            <a:r>
+              <a:rPr lang="en-GB" dirty="0" smtClean="0"/>
+              <a:t> </a:t>
+            </a:r>
+            <a:r>
+              <a:rPr lang="en-GB" dirty="0" err="1" smtClean="0"/>
+              <a:t>tijdsslots</a:t>
+            </a:r>
+            <a:r>
+              <a:rPr lang="en-GB" dirty="0" smtClean="0"/>
+              <a:t>) per </a:t>
+            </a:r>
+            <a:r>
+              <a:rPr lang="en-GB" dirty="0" err="1" smtClean="0"/>
+              <a:t>zaal</a:t>
+            </a:r>
+            <a:r>
+              <a:rPr lang="en-GB" dirty="0" smtClean="0"/>
+              <a:t> </a:t>
+            </a:r>
+            <a:r>
+              <a:rPr lang="en-GB" dirty="0" err="1" smtClean="0"/>
+              <a:t>registreren</a:t>
+            </a:r>
+            <a:endParaRPr lang="en-GB" dirty="0" smtClean="0"/>
+          </a:p>
+          <a:p>
+            <a:r>
+              <a:rPr lang="en-GB" dirty="0" err="1" smtClean="0"/>
+              <a:t>Zetelbezetting</a:t>
+            </a:r>
+            <a:r>
+              <a:rPr lang="en-GB" dirty="0" smtClean="0"/>
+              <a:t> (</a:t>
+            </a:r>
+            <a:r>
+              <a:rPr lang="en-GB" dirty="0" err="1" smtClean="0"/>
+              <a:t>studenten</a:t>
+            </a:r>
+            <a:r>
+              <a:rPr lang="en-GB" dirty="0" smtClean="0"/>
+              <a:t> </a:t>
+            </a:r>
+            <a:r>
+              <a:rPr lang="en-GB" dirty="0" err="1" smtClean="0"/>
+              <a:t>tegen</a:t>
+            </a:r>
+            <a:r>
+              <a:rPr lang="en-GB" dirty="0" smtClean="0"/>
+              <a:t> max. </a:t>
+            </a:r>
+            <a:r>
+              <a:rPr lang="en-GB" dirty="0" err="1" smtClean="0"/>
+              <a:t>capaciteit</a:t>
+            </a:r>
+            <a:r>
+              <a:rPr lang="en-GB" dirty="0" smtClean="0"/>
+              <a:t>) per </a:t>
+            </a:r>
+            <a:r>
+              <a:rPr lang="en-GB" dirty="0" err="1" smtClean="0"/>
+              <a:t>zaal</a:t>
+            </a:r>
+            <a:r>
+              <a:rPr lang="en-GB" dirty="0" smtClean="0"/>
+              <a:t> </a:t>
+            </a:r>
+            <a:r>
+              <a:rPr lang="en-GB" dirty="0" err="1" smtClean="0"/>
+              <a:t>te</a:t>
+            </a:r>
+            <a:r>
+              <a:rPr lang="en-GB" dirty="0" smtClean="0"/>
+              <a:t> </a:t>
+            </a:r>
+            <a:r>
+              <a:rPr lang="en-GB" dirty="0" err="1" smtClean="0"/>
+              <a:t>registreren</a:t>
+            </a:r>
+            <a:endParaRPr lang="nl-NL" dirty="0"/>
+          </a:p>
+        </p:txBody>
+      </p:sp>
+      <p:pic>
+        <p:nvPicPr>
+          <p:cNvPr id="4" name="Afbeelding 3"/>
+          <p:cNvPicPr>
+            <a:picLocks noChangeAspect="1"/>
+          </p:cNvPicPr>
+          <p:nvPr/>
+        </p:nvPicPr>
+        <p:blipFill>
+          <a:blip r:embed="rId2"/>
+          <a:stretch>
+            <a:fillRect/>
+          </a:stretch>
+        </p:blipFill>
+        <p:spPr>
+          <a:xfrm>
+            <a:off x="5684807" y="4081428"/>
+            <a:ext cx="5287993" cy="1982997"/>
+          </a:xfrm>
+          <a:prstGeom prst="rect">
+            <a:avLst/>
+          </a:prstGeom>
+        </p:spPr>
+      </p:pic>
+    </p:spTree>
+    <p:extLst>
+      <p:ext uri="{BB962C8B-B14F-4D97-AF65-F5344CB8AC3E}">
+        <p14:creationId xmlns:p14="http://schemas.microsoft.com/office/powerpoint/2010/main" val="2695955797"/>
+      </p:ext>
+    </p:extLst>
+  </p:cSld>
+  <p:clrMapOvr>
+    <a:masterClrMapping/>
+  </p:clrMapOvr>
+  <p:timing>
+    <p:tnLst>
+      <p:par>
+        <p:cTn id="1" dur="indefinite" restart="never" nodeType="tmRoot"/>
+      </p:par>
+    </p:tnLst>
+  </p:timing>
+</p:sld>
+</file>
+
+<file path=ppt/slides/slide9.xml><?xml version="1.0" encoding="utf-8"?>
+<p:sld xmlns:a="http://schemas.openxmlformats.org/drawingml/2006/main" xmlns:r="http://schemas.openxmlformats.org/officeDocument/2006/relationships" xmlns:p="http://schemas.openxmlformats.org/presentationml/2006/main">
+  <p:cSld>
+    <p:spTree>
+      <p:nvGrpSpPr>
+        <p:cNvPr id="1" name=""/>
+        <p:cNvGrpSpPr/>
+        <p:nvPr/>
+      </p:nvGrpSpPr>
+      <p:grpSpPr>
+        <a:xfrm>
+          <a:off x="0" y="0"/>
+          <a:ext cx="0" cy="0"/>
+          <a:chOff x="0" y="0"/>
+          <a:chExt cx="0" cy="0"/>
+        </a:xfrm>
+      </p:grpSpPr>
+      <p:sp>
+        <p:nvSpPr>
+          <p:cNvPr id="2" name="Title 1">
+            <a:extLst>
+              <a:ext uri="{FF2B5EF4-FFF2-40B4-BE49-F238E27FC236}">
+                <a16:creationId xmlns:a16="http://schemas.microsoft.com/office/drawing/2014/main" xmlns="" id="{AE1733C9-54EC-4DA5-832E-FF885E5A6582}"/>
               </a:ext>
             </a:extLst>
           </p:cNvPr>
@@ -4119,7 +5035,7 @@
           <p:cNvPr id="3" name="Subtitle 2">
             <a:extLst>
               <a:ext uri="{FF2B5EF4-FFF2-40B4-BE49-F238E27FC236}">
-                <a16:creationId xmlns:a16="http://schemas.microsoft.com/office/drawing/2014/main" id="{53B49D3B-B44F-4EA8-A8F8-7BB1EE366C02}"/>
+                <a16:creationId xmlns:a16="http://schemas.microsoft.com/office/drawing/2014/main" xmlns="" id="{53B49D3B-B44F-4EA8-A8F8-7BB1EE366C02}"/>
               </a:ext>
             </a:extLst>
           </p:cNvPr>
@@ -4137,7 +5053,9 @@
           </a:xfrm>
         </p:spPr>
         <p:txBody>
-          <a:bodyPr/>
+          <a:bodyPr>
+            <a:normAutofit lnSpcReduction="10000"/>
+          </a:bodyPr>
           <a:lstStyle/>
           <a:p>
             <a:pPr marL="342900" indent="-342900">
@@ -4201,6 +5119,13 @@
   <p:clrMapOvr>
     <a:masterClrMapping/>
   </p:clrMapOvr>
+  <p:timing>
+    <p:tnLst>
+      <p:par>
+        <p:cTn id="1" dur="indefinite" restart="never" nodeType="tmRoot"/>
+      </p:par>
+    </p:tnLst>
+  </p:timing>
 </p:sld>
 </file>
 
@@ -4247,7 +5172,7 @@
     </a:clrScheme>
     <a:fontScheme name="Corbel">
       <a:majorFont>
-        <a:latin typeface="Corbel" panose="020B0503020204020204"/>
+        <a:latin typeface="Corbel"/>
         <a:ea typeface=""/>
         <a:cs typeface=""/>
         <a:font script="Jpan" typeface="HGｺﾞｼｯｸM"/>
@@ -4282,7 +5207,7 @@
         <a:font script="Geor" typeface="Sylfaen"/>
       </a:majorFont>
       <a:minorFont>
-        <a:latin typeface="Corbel" panose="020B0503020204020204"/>
+        <a:latin typeface="Corbel"/>
         <a:ea typeface=""/>
         <a:cs typeface=""/>
         <a:font script="Jpan" typeface="HGｺﾞｼｯｸM"/>
